--- a/HLE/TrialGPT.pptx
+++ b/HLE/TrialGPT.pptx
@@ -211,7 +211,7 @@
           <a:p>
             <a:fld id="{AF11983C-7BCD-45A6-AF19-AE294B84DCD4}" type="datetimeFigureOut">
               <a:rPr lang="es-ES" smtClean="0"/>
-              <a:t>30/11/2024</a:t>
+              <a:t>05/12/2024</a:t>
             </a:fld>
             <a:endParaRPr lang="es-ES"/>
           </a:p>
@@ -1559,7 +1559,7 @@
           <a:p>
             <a:fld id="{2079720B-1B79-4ABA-857B-10B95223AD56}" type="datetimeFigureOut">
               <a:rPr lang="es-ES" smtClean="0"/>
-              <a:t>30/11/2024</a:t>
+              <a:t>05/12/2024</a:t>
             </a:fld>
             <a:endParaRPr lang="es-ES"/>
           </a:p>
@@ -1757,7 +1757,7 @@
           <a:p>
             <a:fld id="{2079720B-1B79-4ABA-857B-10B95223AD56}" type="datetimeFigureOut">
               <a:rPr lang="es-ES" smtClean="0"/>
-              <a:t>30/11/2024</a:t>
+              <a:t>05/12/2024</a:t>
             </a:fld>
             <a:endParaRPr lang="es-ES"/>
           </a:p>
@@ -1965,7 +1965,7 @@
           <a:p>
             <a:fld id="{2079720B-1B79-4ABA-857B-10B95223AD56}" type="datetimeFigureOut">
               <a:rPr lang="es-ES" smtClean="0"/>
-              <a:t>30/11/2024</a:t>
+              <a:t>05/12/2024</a:t>
             </a:fld>
             <a:endParaRPr lang="es-ES"/>
           </a:p>
@@ -2163,7 +2163,7 @@
           <a:p>
             <a:fld id="{2079720B-1B79-4ABA-857B-10B95223AD56}" type="datetimeFigureOut">
               <a:rPr lang="es-ES" smtClean="0"/>
-              <a:t>30/11/2024</a:t>
+              <a:t>05/12/2024</a:t>
             </a:fld>
             <a:endParaRPr lang="es-ES"/>
           </a:p>
@@ -2438,7 +2438,7 @@
           <a:p>
             <a:fld id="{2079720B-1B79-4ABA-857B-10B95223AD56}" type="datetimeFigureOut">
               <a:rPr lang="es-ES" smtClean="0"/>
-              <a:t>30/11/2024</a:t>
+              <a:t>05/12/2024</a:t>
             </a:fld>
             <a:endParaRPr lang="es-ES"/>
           </a:p>
@@ -2703,7 +2703,7 @@
           <a:p>
             <a:fld id="{2079720B-1B79-4ABA-857B-10B95223AD56}" type="datetimeFigureOut">
               <a:rPr lang="es-ES" smtClean="0"/>
-              <a:t>30/11/2024</a:t>
+              <a:t>05/12/2024</a:t>
             </a:fld>
             <a:endParaRPr lang="es-ES"/>
           </a:p>
@@ -3115,7 +3115,7 @@
           <a:p>
             <a:fld id="{2079720B-1B79-4ABA-857B-10B95223AD56}" type="datetimeFigureOut">
               <a:rPr lang="es-ES" smtClean="0"/>
-              <a:t>30/11/2024</a:t>
+              <a:t>05/12/2024</a:t>
             </a:fld>
             <a:endParaRPr lang="es-ES"/>
           </a:p>
@@ -3256,7 +3256,7 @@
           <a:p>
             <a:fld id="{2079720B-1B79-4ABA-857B-10B95223AD56}" type="datetimeFigureOut">
               <a:rPr lang="es-ES" smtClean="0"/>
-              <a:t>30/11/2024</a:t>
+              <a:t>05/12/2024</a:t>
             </a:fld>
             <a:endParaRPr lang="es-ES"/>
           </a:p>
@@ -3369,7 +3369,7 @@
           <a:p>
             <a:fld id="{2079720B-1B79-4ABA-857B-10B95223AD56}" type="datetimeFigureOut">
               <a:rPr lang="es-ES" smtClean="0"/>
-              <a:t>30/11/2024</a:t>
+              <a:t>05/12/2024</a:t>
             </a:fld>
             <a:endParaRPr lang="es-ES"/>
           </a:p>
@@ -3680,7 +3680,7 @@
           <a:p>
             <a:fld id="{2079720B-1B79-4ABA-857B-10B95223AD56}" type="datetimeFigureOut">
               <a:rPr lang="es-ES" smtClean="0"/>
-              <a:t>30/11/2024</a:t>
+              <a:t>05/12/2024</a:t>
             </a:fld>
             <a:endParaRPr lang="es-ES"/>
           </a:p>
@@ -3968,7 +3968,7 @@
           <a:p>
             <a:fld id="{2079720B-1B79-4ABA-857B-10B95223AD56}" type="datetimeFigureOut">
               <a:rPr lang="es-ES" smtClean="0"/>
-              <a:t>30/11/2024</a:t>
+              <a:t>05/12/2024</a:t>
             </a:fld>
             <a:endParaRPr lang="es-ES"/>
           </a:p>
@@ -4209,7 +4209,7 @@
           <a:p>
             <a:fld id="{2079720B-1B79-4ABA-857B-10B95223AD56}" type="datetimeFigureOut">
               <a:rPr lang="es-ES" smtClean="0"/>
-              <a:t>30/11/2024</a:t>
+              <a:t>05/12/2024</a:t>
             </a:fld>
             <a:endParaRPr lang="es-ES"/>
           </a:p>
@@ -4767,7 +4767,7 @@
               <a:t> online: 18 </a:t>
             </a:r>
             <a:r>
-              <a:rPr lang="es-ES" dirty="0" err="1"/>
+              <a:rPr lang="en-US" dirty="0"/>
               <a:t>November</a:t>
             </a:r>
             <a:r>
@@ -5075,6 +5075,110 @@
           </a:prstGeom>
         </p:spPr>
       </p:pic>
+      <p:sp>
+        <p:nvSpPr>
+          <p:cNvPr id="3" name="Rectangle 2">
+            <a:extLst>
+              <a:ext uri="{FF2B5EF4-FFF2-40B4-BE49-F238E27FC236}">
+                <a16:creationId xmlns:a16="http://schemas.microsoft.com/office/drawing/2014/main" id="{384E0FD0-A6DF-B784-AE44-5EACAF7FF76D}"/>
+              </a:ext>
+            </a:extLst>
+          </p:cNvPr>
+          <p:cNvSpPr/>
+          <p:nvPr/>
+        </p:nvSpPr>
+        <p:spPr>
+          <a:xfrm>
+            <a:off x="2734322" y="4918229"/>
+            <a:ext cx="8232135" cy="328474"/>
+          </a:xfrm>
+          <a:prstGeom prst="rect">
+            <a:avLst/>
+          </a:prstGeom>
+          <a:noFill/>
+          <a:ln w="38100">
+            <a:solidFill>
+              <a:srgbClr val="FF0000"/>
+            </a:solidFill>
+          </a:ln>
+        </p:spPr>
+        <p:style>
+          <a:lnRef idx="2">
+            <a:schemeClr val="accent1">
+              <a:shade val="15000"/>
+            </a:schemeClr>
+          </a:lnRef>
+          <a:fillRef idx="1">
+            <a:schemeClr val="accent1"/>
+          </a:fillRef>
+          <a:effectRef idx="0">
+            <a:schemeClr val="accent1"/>
+          </a:effectRef>
+          <a:fontRef idx="minor">
+            <a:schemeClr val="lt1"/>
+          </a:fontRef>
+        </p:style>
+        <p:txBody>
+          <a:bodyPr rtlCol="0" anchor="ctr"/>
+          <a:lstStyle/>
+          <a:p>
+            <a:pPr algn="ctr"/>
+            <a:endParaRPr lang="en-US"/>
+          </a:p>
+        </p:txBody>
+      </p:sp>
+      <p:sp>
+        <p:nvSpPr>
+          <p:cNvPr id="4" name="Rectangle 3">
+            <a:extLst>
+              <a:ext uri="{FF2B5EF4-FFF2-40B4-BE49-F238E27FC236}">
+                <a16:creationId xmlns:a16="http://schemas.microsoft.com/office/drawing/2014/main" id="{224D0973-140C-75CE-589E-C4F0A5B6EDDA}"/>
+              </a:ext>
+            </a:extLst>
+          </p:cNvPr>
+          <p:cNvSpPr/>
+          <p:nvPr/>
+        </p:nvSpPr>
+        <p:spPr>
+          <a:xfrm>
+            <a:off x="926274" y="3075372"/>
+            <a:ext cx="10040183" cy="328474"/>
+          </a:xfrm>
+          <a:prstGeom prst="rect">
+            <a:avLst/>
+          </a:prstGeom>
+          <a:noFill/>
+          <a:ln w="38100">
+            <a:solidFill>
+              <a:srgbClr val="FF0000"/>
+            </a:solidFill>
+          </a:ln>
+        </p:spPr>
+        <p:style>
+          <a:lnRef idx="2">
+            <a:schemeClr val="accent1">
+              <a:shade val="15000"/>
+            </a:schemeClr>
+          </a:lnRef>
+          <a:fillRef idx="1">
+            <a:schemeClr val="accent1"/>
+          </a:fillRef>
+          <a:effectRef idx="0">
+            <a:schemeClr val="accent1"/>
+          </a:effectRef>
+          <a:fontRef idx="minor">
+            <a:schemeClr val="lt1"/>
+          </a:fontRef>
+        </p:style>
+        <p:txBody>
+          <a:bodyPr rtlCol="0" anchor="ctr"/>
+          <a:lstStyle/>
+          <a:p>
+            <a:pPr algn="ctr"/>
+            <a:endParaRPr lang="en-US"/>
+          </a:p>
+        </p:txBody>
+      </p:sp>
     </p:spTree>
     <p:custDataLst>
       <p:tags r:id="rId1"/>
@@ -5375,13 +5479,13 @@
           <a:p>
             <a:r>
               <a:rPr lang="en-US" dirty="0"/>
-              <a:t>Provides natural language explanations</a:t>
+              <a:t>Provides natural language explanations.</a:t>
             </a:r>
           </a:p>
           <a:p>
             <a:r>
               <a:rPr lang="en-US" dirty="0"/>
-              <a:t>Highlights relevant patient data</a:t>
+              <a:t>Highlights relevant patient data to provide evidences.</a:t>
             </a:r>
           </a:p>
           <a:p>
@@ -5389,6 +5493,12 @@
               <a:rPr lang="en-US" dirty="0"/>
               <a:t>Supports human decision-making and improves trust and usability.</a:t>
             </a:r>
+          </a:p>
+          <a:p>
+            <a:pPr marL="0" indent="0">
+              <a:buNone/>
+            </a:pPr>
+            <a:endParaRPr lang="en-US" dirty="0"/>
           </a:p>
         </p:txBody>
       </p:sp>
@@ -5445,7 +5555,7 @@
           <a:p>
             <a:r>
               <a:rPr lang="en-US" dirty="0"/>
-              <a:t>Further work</a:t>
+              <a:t>Future work</a:t>
             </a:r>
           </a:p>
         </p:txBody>
@@ -5473,25 +5583,31 @@
           </a:bodyPr>
           <a:lstStyle/>
           <a:p>
+            <a:pPr marL="0" indent="0">
+              <a:buNone/>
+            </a:pPr>
+            <a:r>
+              <a:rPr lang="en-US" b="1" dirty="0"/>
+              <a:t>Drawbacks</a:t>
+            </a:r>
+          </a:p>
+          <a:p>
             <a:r>
               <a:rPr lang="en-US" dirty="0"/>
-              <a:t>Include information from medical ontologies such as UMLS for keyword extraction in Retrieval step.</a:t>
+              <a:t>Performance difference between GPT-4 and GPT-3.5 and long input prompts which can mean high economic cost.</a:t>
             </a:r>
           </a:p>
           <a:p>
             <a:r>
               <a:rPr lang="en-US" dirty="0"/>
-              <a:t>Compare the performance of SOTA open-source LLMs.</a:t>
+              <a:t>Subjective evaluation system dependent on the clinicians.</a:t>
             </a:r>
           </a:p>
           <a:p>
             <a:r>
               <a:rPr lang="en-US" dirty="0"/>
-              <a:t>Instruction fine-tuning updating model weights using the results of the whole pipeline (end-to-end).</a:t>
-            </a:r>
-          </a:p>
-          <a:p>
-            <a:endParaRPr lang="en-US" dirty="0"/>
+              <a:t>Multimodal input (patient note + radiography + lab results).</a:t>
+            </a:r>
           </a:p>
         </p:txBody>
       </p:sp>
@@ -7223,7 +7339,7 @@
         </p:blipFill>
         <p:spPr>
           <a:xfrm>
-            <a:off x="715821" y="1281741"/>
+            <a:off x="585194" y="1281741"/>
             <a:ext cx="6817751" cy="1992881"/>
           </a:xfrm>
           <a:prstGeom prst="rect">
